--- a/drugme.pptx
+++ b/drugme.pptx
@@ -7,6 +7,7 @@
   <p:sldIdLst>
     <p:sldId id="256" r:id="rId2"/>
     <p:sldId id="257" r:id="rId3"/>
+    <p:sldId id="258" r:id="rId4"/>
   </p:sldIdLst>
   <p:sldSz cx="9144000" cy="5143500" type="screen16x9"/>
   <p:notesSz cx="6858000" cy="9144000"/>
@@ -3843,6 +3844,1672 @@
 </p:sld>
 </file>
 
+<file path=ppt/slides/slide3.xml><?xml version="1.0" encoding="utf-8"?>
+<p:sld xmlns:a="http://schemas.openxmlformats.org/drawingml/2006/main" xmlns:r="http://schemas.openxmlformats.org/officeDocument/2006/relationships" xmlns:p="http://schemas.openxmlformats.org/presentationml/2006/main">
+  <p:cSld>
+    <p:spTree>
+      <p:nvGrpSpPr>
+        <p:cNvPr id="1" name=""/>
+        <p:cNvGrpSpPr/>
+        <p:nvPr/>
+      </p:nvGrpSpPr>
+      <p:grpSpPr>
+        <a:xfrm>
+          <a:off x="0" y="0"/>
+          <a:ext cx="0" cy="0"/>
+          <a:chOff x="0" y="0"/>
+          <a:chExt cx="0" cy="0"/>
+        </a:xfrm>
+      </p:grpSpPr>
+      <p:sp>
+        <p:nvSpPr>
+          <p:cNvPr id="2" name="Titel 1"/>
+          <p:cNvSpPr>
+            <a:spLocks noGrp="1"/>
+          </p:cNvSpPr>
+          <p:nvPr>
+            <p:ph type="title"/>
+          </p:nvPr>
+        </p:nvSpPr>
+        <p:spPr>
+          <a:xfrm>
+            <a:off x="361171" y="-37728"/>
+            <a:ext cx="8229600" cy="830004"/>
+          </a:xfrm>
+        </p:spPr>
+        <p:txBody>
+          <a:bodyPr/>
+          <a:lstStyle/>
+          <a:p>
+            <a:r>
+              <a:rPr lang="de-DE" sz="4000" dirty="0" smtClean="0">
+                <a:solidFill>
+                  <a:srgbClr val="497CBB"/>
+                </a:solidFill>
+                <a:cs typeface="Arial"/>
+              </a:rPr>
+              <a:t>Big Picture</a:t>
+            </a:r>
+            <a:endParaRPr lang="de-DE" sz="4000" dirty="0">
+              <a:solidFill>
+                <a:srgbClr val="497CBB"/>
+              </a:solidFill>
+              <a:cs typeface="Arial"/>
+            </a:endParaRPr>
+          </a:p>
+        </p:txBody>
+      </p:sp>
+      <p:pic>
+        <p:nvPicPr>
+          <p:cNvPr id="6" name="Bild 5" descr="phone_icon.png"/>
+          <p:cNvPicPr>
+            <a:picLocks noChangeAspect="1"/>
+          </p:cNvPicPr>
+          <p:nvPr/>
+        </p:nvPicPr>
+        <p:blipFill>
+          <a:blip r:embed="rId2">
+            <a:extLst>
+              <a:ext uri="{28A0092B-C50C-407E-A947-70E740481C1C}">
+                <a14:useLocalDpi xmlns:a14="http://schemas.microsoft.com/office/drawing/2010/main" val="0"/>
+              </a:ext>
+            </a:extLst>
+          </a:blip>
+          <a:stretch>
+            <a:fillRect/>
+          </a:stretch>
+        </p:blipFill>
+        <p:spPr>
+          <a:xfrm>
+            <a:off x="755548" y="1844682"/>
+            <a:ext cx="773849" cy="1344193"/>
+          </a:xfrm>
+          <a:prstGeom prst="roundRect">
+            <a:avLst>
+              <a:gd name="adj" fmla="val 16667"/>
+            </a:avLst>
+          </a:prstGeom>
+          <a:ln>
+            <a:noFill/>
+          </a:ln>
+          <a:effectLst>
+            <a:outerShdw blurRad="76200" dist="38100" dir="7800000" algn="tl" rotWithShape="0">
+              <a:srgbClr val="000000">
+                <a:alpha val="40000"/>
+              </a:srgbClr>
+            </a:outerShdw>
+          </a:effectLst>
+          <a:scene3d>
+            <a:camera prst="orthographicFront"/>
+            <a:lightRig rig="contrasting" dir="t">
+              <a:rot lat="0" lon="0" rev="4200000"/>
+            </a:lightRig>
+          </a:scene3d>
+          <a:sp3d prstMaterial="plastic">
+            <a:bevelT w="381000" h="114300" prst="relaxedInset"/>
+            <a:contourClr>
+              <a:srgbClr val="969696"/>
+            </a:contourClr>
+          </a:sp3d>
+        </p:spPr>
+      </p:pic>
+      <p:sp>
+        <p:nvSpPr>
+          <p:cNvPr id="9" name="Rechteck 8"/>
+          <p:cNvSpPr/>
+          <p:nvPr/>
+        </p:nvSpPr>
+        <p:spPr>
+          <a:xfrm>
+            <a:off x="3093237" y="1469571"/>
+            <a:ext cx="2253353" cy="1838245"/>
+          </a:xfrm>
+          <a:prstGeom prst="rect">
+            <a:avLst/>
+          </a:prstGeom>
+        </p:spPr>
+        <p:style>
+          <a:lnRef idx="2">
+            <a:schemeClr val="dk1"/>
+          </a:lnRef>
+          <a:fillRef idx="1">
+            <a:schemeClr val="lt1"/>
+          </a:fillRef>
+          <a:effectRef idx="0">
+            <a:schemeClr val="dk1"/>
+          </a:effectRef>
+          <a:fontRef idx="minor">
+            <a:schemeClr val="dk1"/>
+          </a:fontRef>
+        </p:style>
+        <p:txBody>
+          <a:bodyPr rtlCol="0" anchor="ctr"/>
+          <a:lstStyle/>
+          <a:p>
+            <a:pPr algn="ctr"/>
+            <a:endParaRPr lang="de-DE"/>
+          </a:p>
+        </p:txBody>
+      </p:sp>
+      <p:cxnSp>
+        <p:nvCxnSpPr>
+          <p:cNvPr id="11" name="Gerade Verbindung mit Pfeil 10"/>
+          <p:cNvCxnSpPr/>
+          <p:nvPr/>
+        </p:nvCxnSpPr>
+        <p:spPr>
+          <a:xfrm>
+            <a:off x="1690011" y="2099388"/>
+            <a:ext cx="1249586" cy="1"/>
+          </a:xfrm>
+          <a:prstGeom prst="straightConnector1">
+            <a:avLst/>
+          </a:prstGeom>
+          <a:ln>
+            <a:tailEnd type="arrow"/>
+          </a:ln>
+        </p:spPr>
+        <p:style>
+          <a:lnRef idx="2">
+            <a:schemeClr val="dk1"/>
+          </a:lnRef>
+          <a:fillRef idx="0">
+            <a:schemeClr val="dk1"/>
+          </a:fillRef>
+          <a:effectRef idx="1">
+            <a:schemeClr val="dk1"/>
+          </a:effectRef>
+          <a:fontRef idx="minor">
+            <a:schemeClr val="tx1"/>
+          </a:fontRef>
+        </p:style>
+      </p:cxnSp>
+      <p:sp>
+        <p:nvSpPr>
+          <p:cNvPr id="12" name="Textfeld 11"/>
+          <p:cNvSpPr txBox="1"/>
+          <p:nvPr/>
+        </p:nvSpPr>
+        <p:spPr>
+          <a:xfrm>
+            <a:off x="3318428" y="1408125"/>
+            <a:ext cx="1882434" cy="369332"/>
+          </a:xfrm>
+          <a:prstGeom prst="rect">
+            <a:avLst/>
+          </a:prstGeom>
+          <a:noFill/>
+        </p:spPr>
+        <p:txBody>
+          <a:bodyPr wrap="none" rtlCol="0">
+            <a:spAutoFit/>
+          </a:bodyPr>
+          <a:lstStyle/>
+          <a:p>
+            <a:r>
+              <a:rPr lang="de-DE" dirty="0" smtClean="0">
+                <a:solidFill>
+                  <a:srgbClr val="000000"/>
+                </a:solidFill>
+              </a:rPr>
+              <a:t>Server + Database</a:t>
+            </a:r>
+            <a:endParaRPr lang="de-DE" dirty="0">
+              <a:solidFill>
+                <a:srgbClr val="000000"/>
+              </a:solidFill>
+            </a:endParaRPr>
+          </a:p>
+        </p:txBody>
+      </p:sp>
+      <p:sp>
+        <p:nvSpPr>
+          <p:cNvPr id="14" name="Textfeld 13"/>
+          <p:cNvSpPr txBox="1"/>
+          <p:nvPr/>
+        </p:nvSpPr>
+        <p:spPr>
+          <a:xfrm>
+            <a:off x="509724" y="1469571"/>
+            <a:ext cx="1374894" cy="338554"/>
+          </a:xfrm>
+          <a:prstGeom prst="rect">
+            <a:avLst/>
+          </a:prstGeom>
+          <a:noFill/>
+        </p:spPr>
+        <p:txBody>
+          <a:bodyPr wrap="square" rtlCol="0">
+            <a:spAutoFit/>
+          </a:bodyPr>
+          <a:lstStyle/>
+          <a:p>
+            <a:pPr algn="ctr"/>
+            <a:r>
+              <a:rPr lang="de-DE" sz="1600" b="1" dirty="0" smtClean="0">
+                <a:solidFill>
+                  <a:srgbClr val="000000"/>
+                </a:solidFill>
+              </a:rPr>
+              <a:t>Patient</a:t>
+            </a:r>
+          </a:p>
+        </p:txBody>
+      </p:sp>
+      <p:sp>
+        <p:nvSpPr>
+          <p:cNvPr id="16" name="Rechteck 15"/>
+          <p:cNvSpPr/>
+          <p:nvPr/>
+        </p:nvSpPr>
+        <p:spPr>
+          <a:xfrm>
+            <a:off x="3245637" y="1783236"/>
+            <a:ext cx="882094" cy="1399099"/>
+          </a:xfrm>
+          <a:prstGeom prst="rect">
+            <a:avLst/>
+          </a:prstGeom>
+        </p:spPr>
+        <p:style>
+          <a:lnRef idx="2">
+            <a:schemeClr val="dk1"/>
+          </a:lnRef>
+          <a:fillRef idx="1">
+            <a:schemeClr val="lt1"/>
+          </a:fillRef>
+          <a:effectRef idx="0">
+            <a:schemeClr val="dk1"/>
+          </a:effectRef>
+          <a:fontRef idx="minor">
+            <a:schemeClr val="dk1"/>
+          </a:fontRef>
+        </p:style>
+        <p:txBody>
+          <a:bodyPr rtlCol="0" anchor="ctr"/>
+          <a:lstStyle/>
+          <a:p>
+            <a:pPr algn="ctr"/>
+            <a:endParaRPr lang="de-DE"/>
+          </a:p>
+        </p:txBody>
+      </p:sp>
+      <p:sp>
+        <p:nvSpPr>
+          <p:cNvPr id="17" name="Rechteck 16"/>
+          <p:cNvSpPr/>
+          <p:nvPr/>
+        </p:nvSpPr>
+        <p:spPr>
+          <a:xfrm>
+            <a:off x="4280131" y="1783236"/>
+            <a:ext cx="882094" cy="1399099"/>
+          </a:xfrm>
+          <a:prstGeom prst="rect">
+            <a:avLst/>
+          </a:prstGeom>
+        </p:spPr>
+        <p:style>
+          <a:lnRef idx="2">
+            <a:schemeClr val="dk1"/>
+          </a:lnRef>
+          <a:fillRef idx="1">
+            <a:schemeClr val="lt1"/>
+          </a:fillRef>
+          <a:effectRef idx="0">
+            <a:schemeClr val="dk1"/>
+          </a:effectRef>
+          <a:fontRef idx="minor">
+            <a:schemeClr val="dk1"/>
+          </a:fontRef>
+        </p:style>
+        <p:txBody>
+          <a:bodyPr rtlCol="0" anchor="ctr"/>
+          <a:lstStyle/>
+          <a:p>
+            <a:pPr algn="ctr"/>
+            <a:endParaRPr lang="de-DE"/>
+          </a:p>
+        </p:txBody>
+      </p:sp>
+      <p:sp>
+        <p:nvSpPr>
+          <p:cNvPr id="18" name="Textfeld 17"/>
+          <p:cNvSpPr txBox="1"/>
+          <p:nvPr/>
+        </p:nvSpPr>
+        <p:spPr>
+          <a:xfrm>
+            <a:off x="3369643" y="1746734"/>
+            <a:ext cx="633507" cy="276999"/>
+          </a:xfrm>
+          <a:prstGeom prst="rect">
+            <a:avLst/>
+          </a:prstGeom>
+          <a:noFill/>
+        </p:spPr>
+        <p:txBody>
+          <a:bodyPr wrap="none" rtlCol="0">
+            <a:spAutoFit/>
+          </a:bodyPr>
+          <a:lstStyle/>
+          <a:p>
+            <a:r>
+              <a:rPr lang="de-DE" sz="1200" dirty="0" smtClean="0">
+                <a:solidFill>
+                  <a:srgbClr val="000000"/>
+                </a:solidFill>
+              </a:rPr>
+              <a:t>Patient</a:t>
+            </a:r>
+            <a:endParaRPr lang="de-DE" sz="1200" dirty="0">
+              <a:solidFill>
+                <a:srgbClr val="000000"/>
+              </a:solidFill>
+            </a:endParaRPr>
+          </a:p>
+        </p:txBody>
+      </p:sp>
+      <p:sp>
+        <p:nvSpPr>
+          <p:cNvPr id="19" name="Textfeld 18"/>
+          <p:cNvSpPr txBox="1"/>
+          <p:nvPr/>
+        </p:nvSpPr>
+        <p:spPr>
+          <a:xfrm>
+            <a:off x="4228916" y="1746734"/>
+            <a:ext cx="987244" cy="276999"/>
+          </a:xfrm>
+          <a:prstGeom prst="rect">
+            <a:avLst/>
+          </a:prstGeom>
+          <a:noFill/>
+        </p:spPr>
+        <p:txBody>
+          <a:bodyPr wrap="none" rtlCol="0">
+            <a:spAutoFit/>
+          </a:bodyPr>
+          <a:lstStyle/>
+          <a:p>
+            <a:r>
+              <a:rPr lang="de-DE" sz="1200" dirty="0" smtClean="0">
+                <a:solidFill>
+                  <a:srgbClr val="000000"/>
+                </a:solidFill>
+              </a:rPr>
+              <a:t>Medical Plan</a:t>
+            </a:r>
+            <a:endParaRPr lang="de-DE" sz="1200" dirty="0">
+              <a:solidFill>
+                <a:srgbClr val="000000"/>
+              </a:solidFill>
+            </a:endParaRPr>
+          </a:p>
+        </p:txBody>
+      </p:sp>
+      <p:pic>
+        <p:nvPicPr>
+          <p:cNvPr id="20" name="Bild 19"/>
+          <p:cNvPicPr>
+            <a:picLocks noChangeAspect="1"/>
+          </p:cNvPicPr>
+          <p:nvPr/>
+        </p:nvPicPr>
+        <p:blipFill>
+          <a:blip r:embed="rId3"/>
+          <a:stretch>
+            <a:fillRect/>
+          </a:stretch>
+        </p:blipFill>
+        <p:spPr>
+          <a:xfrm>
+            <a:off x="7416232" y="2023733"/>
+            <a:ext cx="1037363" cy="1037363"/>
+          </a:xfrm>
+          <a:prstGeom prst="rect">
+            <a:avLst/>
+          </a:prstGeom>
+        </p:spPr>
+      </p:pic>
+      <p:sp>
+        <p:nvSpPr>
+          <p:cNvPr id="21" name="Textfeld 20"/>
+          <p:cNvSpPr txBox="1"/>
+          <p:nvPr/>
+        </p:nvSpPr>
+        <p:spPr>
+          <a:xfrm>
+            <a:off x="7375917" y="1560580"/>
+            <a:ext cx="913983" cy="338554"/>
+          </a:xfrm>
+          <a:prstGeom prst="rect">
+            <a:avLst/>
+          </a:prstGeom>
+          <a:noFill/>
+        </p:spPr>
+        <p:txBody>
+          <a:bodyPr wrap="square" rtlCol="0">
+            <a:spAutoFit/>
+          </a:bodyPr>
+          <a:lstStyle/>
+          <a:p>
+            <a:r>
+              <a:rPr lang="de-DE" sz="1600" b="1" dirty="0" err="1" smtClean="0">
+                <a:solidFill>
+                  <a:srgbClr val="000000"/>
+                </a:solidFill>
+              </a:rPr>
+              <a:t>Doctor</a:t>
+            </a:r>
+            <a:endParaRPr lang="de-DE" sz="1600" b="1" dirty="0">
+              <a:solidFill>
+                <a:srgbClr val="000000"/>
+              </a:solidFill>
+            </a:endParaRPr>
+          </a:p>
+        </p:txBody>
+      </p:sp>
+      <p:pic>
+        <p:nvPicPr>
+          <p:cNvPr id="22" name="Bild 21" descr="laptop_f010-20111223152102-00005.png"/>
+          <p:cNvPicPr>
+            <a:picLocks noChangeAspect="1"/>
+          </p:cNvPicPr>
+          <p:nvPr/>
+        </p:nvPicPr>
+        <p:blipFill>
+          <a:blip r:embed="rId4">
+            <a:extLst>
+              <a:ext uri="{28A0092B-C50C-407E-A947-70E740481C1C}">
+                <a14:useLocalDpi xmlns:a14="http://schemas.microsoft.com/office/drawing/2010/main" val="0"/>
+              </a:ext>
+            </a:extLst>
+          </a:blip>
+          <a:stretch>
+            <a:fillRect/>
+          </a:stretch>
+        </p:blipFill>
+        <p:spPr>
+          <a:xfrm>
+            <a:off x="6874417" y="2428487"/>
+            <a:ext cx="709183" cy="709183"/>
+          </a:xfrm>
+          <a:prstGeom prst="rect">
+            <a:avLst/>
+          </a:prstGeom>
+        </p:spPr>
+      </p:pic>
+      <p:cxnSp>
+        <p:nvCxnSpPr>
+          <p:cNvPr id="23" name="Gerade Verbindung mit Pfeil 22"/>
+          <p:cNvCxnSpPr/>
+          <p:nvPr/>
+        </p:nvCxnSpPr>
+        <p:spPr>
+          <a:xfrm flipH="1">
+            <a:off x="5437531" y="2418246"/>
+            <a:ext cx="1312282" cy="1"/>
+          </a:xfrm>
+          <a:prstGeom prst="straightConnector1">
+            <a:avLst/>
+          </a:prstGeom>
+          <a:ln>
+            <a:tailEnd type="arrow"/>
+          </a:ln>
+        </p:spPr>
+        <p:style>
+          <a:lnRef idx="2">
+            <a:schemeClr val="dk1"/>
+          </a:lnRef>
+          <a:fillRef idx="0">
+            <a:schemeClr val="dk1"/>
+          </a:fillRef>
+          <a:effectRef idx="1">
+            <a:schemeClr val="dk1"/>
+          </a:effectRef>
+          <a:fontRef idx="minor">
+            <a:schemeClr val="tx1"/>
+          </a:fontRef>
+        </p:style>
+      </p:cxnSp>
+      <p:cxnSp>
+        <p:nvCxnSpPr>
+          <p:cNvPr id="27" name="Gerade Verbindung mit Pfeil 26"/>
+          <p:cNvCxnSpPr/>
+          <p:nvPr/>
+        </p:nvCxnSpPr>
+        <p:spPr>
+          <a:xfrm flipH="1" flipV="1">
+            <a:off x="1690011" y="2775465"/>
+            <a:ext cx="1249586" cy="1"/>
+          </a:xfrm>
+          <a:prstGeom prst="straightConnector1">
+            <a:avLst/>
+          </a:prstGeom>
+          <a:ln>
+            <a:tailEnd type="arrow"/>
+          </a:ln>
+        </p:spPr>
+        <p:style>
+          <a:lnRef idx="2">
+            <a:schemeClr val="dk1"/>
+          </a:lnRef>
+          <a:fillRef idx="0">
+            <a:schemeClr val="dk1"/>
+          </a:fillRef>
+          <a:effectRef idx="1">
+            <a:schemeClr val="dk1"/>
+          </a:effectRef>
+          <a:fontRef idx="minor">
+            <a:schemeClr val="tx1"/>
+          </a:fontRef>
+        </p:style>
+      </p:cxnSp>
+      <p:sp>
+        <p:nvSpPr>
+          <p:cNvPr id="30" name="Textfeld 29"/>
+          <p:cNvSpPr txBox="1"/>
+          <p:nvPr/>
+        </p:nvSpPr>
+        <p:spPr>
+          <a:xfrm>
+            <a:off x="1884618" y="1808398"/>
+            <a:ext cx="748923" cy="307777"/>
+          </a:xfrm>
+          <a:prstGeom prst="rect">
+            <a:avLst/>
+          </a:prstGeom>
+          <a:noFill/>
+        </p:spPr>
+        <p:txBody>
+          <a:bodyPr wrap="none" rtlCol="0">
+            <a:spAutoFit/>
+          </a:bodyPr>
+          <a:lstStyle/>
+          <a:p>
+            <a:r>
+              <a:rPr lang="de-DE" sz="1400" dirty="0" err="1" smtClean="0">
+                <a:solidFill>
+                  <a:srgbClr val="000000"/>
+                </a:solidFill>
+              </a:rPr>
+              <a:t>register</a:t>
+            </a:r>
+            <a:endParaRPr lang="de-DE" sz="1400" dirty="0">
+              <a:solidFill>
+                <a:srgbClr val="000000"/>
+              </a:solidFill>
+            </a:endParaRPr>
+          </a:p>
+        </p:txBody>
+      </p:sp>
+      <p:sp>
+        <p:nvSpPr>
+          <p:cNvPr id="31" name="Textfeld 30"/>
+          <p:cNvSpPr txBox="1"/>
+          <p:nvPr/>
+        </p:nvSpPr>
+        <p:spPr>
+          <a:xfrm>
+            <a:off x="5431184" y="2047908"/>
+            <a:ext cx="1473960" cy="307777"/>
+          </a:xfrm>
+          <a:prstGeom prst="rect">
+            <a:avLst/>
+          </a:prstGeom>
+          <a:noFill/>
+        </p:spPr>
+        <p:txBody>
+          <a:bodyPr wrap="square" rtlCol="0">
+            <a:spAutoFit/>
+          </a:bodyPr>
+          <a:lstStyle/>
+          <a:p>
+            <a:pPr algn="ctr"/>
+            <a:r>
+              <a:rPr lang="de-DE" sz="1400" dirty="0" err="1" smtClean="0">
+                <a:solidFill>
+                  <a:srgbClr val="000000"/>
+                </a:solidFill>
+              </a:rPr>
+              <a:t>create</a:t>
+            </a:r>
+            <a:r>
+              <a:rPr lang="de-DE" sz="1400" dirty="0">
+                <a:solidFill>
+                  <a:srgbClr val="000000"/>
+                </a:solidFill>
+              </a:rPr>
+              <a:t> </a:t>
+            </a:r>
+            <a:r>
+              <a:rPr lang="de-DE" sz="1400" dirty="0" smtClean="0">
+                <a:solidFill>
+                  <a:srgbClr val="000000"/>
+                </a:solidFill>
+              </a:rPr>
+              <a:t>plan</a:t>
+            </a:r>
+            <a:endParaRPr lang="de-DE" sz="1400" dirty="0">
+              <a:solidFill>
+                <a:srgbClr val="000000"/>
+              </a:solidFill>
+            </a:endParaRPr>
+          </a:p>
+        </p:txBody>
+      </p:sp>
+      <p:sp>
+        <p:nvSpPr>
+          <p:cNvPr id="32" name="Textfeld 31"/>
+          <p:cNvSpPr txBox="1"/>
+          <p:nvPr/>
+        </p:nvSpPr>
+        <p:spPr>
+          <a:xfrm>
+            <a:off x="1884618" y="2482713"/>
+            <a:ext cx="894308" cy="307777"/>
+          </a:xfrm>
+          <a:prstGeom prst="rect">
+            <a:avLst/>
+          </a:prstGeom>
+          <a:noFill/>
+        </p:spPr>
+        <p:txBody>
+          <a:bodyPr wrap="none" rtlCol="0">
+            <a:spAutoFit/>
+          </a:bodyPr>
+          <a:lstStyle/>
+          <a:p>
+            <a:r>
+              <a:rPr lang="de-DE" sz="1400" dirty="0">
+                <a:solidFill>
+                  <a:srgbClr val="000000"/>
+                </a:solidFill>
+              </a:rPr>
+              <a:t>p</a:t>
+            </a:r>
+            <a:r>
+              <a:rPr lang="de-DE" sz="1400" dirty="0" smtClean="0">
+                <a:solidFill>
+                  <a:srgbClr val="000000"/>
+                </a:solidFill>
+              </a:rPr>
+              <a:t>ush plan</a:t>
+            </a:r>
+            <a:endParaRPr lang="de-DE" sz="1400" dirty="0">
+              <a:solidFill>
+                <a:srgbClr val="000000"/>
+              </a:solidFill>
+            </a:endParaRPr>
+          </a:p>
+        </p:txBody>
+      </p:sp>
+      <p:cxnSp>
+        <p:nvCxnSpPr>
+          <p:cNvPr id="35" name="Gerade Verbindung 34"/>
+          <p:cNvCxnSpPr/>
+          <p:nvPr/>
+        </p:nvCxnSpPr>
+        <p:spPr>
+          <a:xfrm>
+            <a:off x="3401359" y="2136657"/>
+            <a:ext cx="583967" cy="0"/>
+          </a:xfrm>
+          <a:prstGeom prst="line">
+            <a:avLst/>
+          </a:prstGeom>
+        </p:spPr>
+        <p:style>
+          <a:lnRef idx="2">
+            <a:schemeClr val="dk1"/>
+          </a:lnRef>
+          <a:fillRef idx="0">
+            <a:schemeClr val="dk1"/>
+          </a:fillRef>
+          <a:effectRef idx="1">
+            <a:schemeClr val="dk1"/>
+          </a:effectRef>
+          <a:fontRef idx="minor">
+            <a:schemeClr val="tx1"/>
+          </a:fontRef>
+        </p:style>
+      </p:cxnSp>
+      <p:cxnSp>
+        <p:nvCxnSpPr>
+          <p:cNvPr id="37" name="Gerade Verbindung 36"/>
+          <p:cNvCxnSpPr/>
+          <p:nvPr/>
+        </p:nvCxnSpPr>
+        <p:spPr>
+          <a:xfrm>
+            <a:off x="3410357" y="2258334"/>
+            <a:ext cx="583967" cy="0"/>
+          </a:xfrm>
+          <a:prstGeom prst="line">
+            <a:avLst/>
+          </a:prstGeom>
+        </p:spPr>
+        <p:style>
+          <a:lnRef idx="2">
+            <a:schemeClr val="dk1"/>
+          </a:lnRef>
+          <a:fillRef idx="0">
+            <a:schemeClr val="dk1"/>
+          </a:fillRef>
+          <a:effectRef idx="1">
+            <a:schemeClr val="dk1"/>
+          </a:effectRef>
+          <a:fontRef idx="minor">
+            <a:schemeClr val="tx1"/>
+          </a:fontRef>
+        </p:style>
+      </p:cxnSp>
+      <p:cxnSp>
+        <p:nvCxnSpPr>
+          <p:cNvPr id="38" name="Gerade Verbindung 37"/>
+          <p:cNvCxnSpPr/>
+          <p:nvPr/>
+        </p:nvCxnSpPr>
+        <p:spPr>
+          <a:xfrm>
+            <a:off x="3410357" y="2381226"/>
+            <a:ext cx="583967" cy="0"/>
+          </a:xfrm>
+          <a:prstGeom prst="line">
+            <a:avLst/>
+          </a:prstGeom>
+        </p:spPr>
+        <p:style>
+          <a:lnRef idx="2">
+            <a:schemeClr val="dk1"/>
+          </a:lnRef>
+          <a:fillRef idx="0">
+            <a:schemeClr val="dk1"/>
+          </a:fillRef>
+          <a:effectRef idx="1">
+            <a:schemeClr val="dk1"/>
+          </a:effectRef>
+          <a:fontRef idx="minor">
+            <a:schemeClr val="tx1"/>
+          </a:fontRef>
+        </p:style>
+      </p:cxnSp>
+      <p:cxnSp>
+        <p:nvCxnSpPr>
+          <p:cNvPr id="39" name="Gerade Verbindung 38"/>
+          <p:cNvCxnSpPr/>
+          <p:nvPr/>
+        </p:nvCxnSpPr>
+        <p:spPr>
+          <a:xfrm>
+            <a:off x="4424373" y="2121508"/>
+            <a:ext cx="583967" cy="0"/>
+          </a:xfrm>
+          <a:prstGeom prst="line">
+            <a:avLst/>
+          </a:prstGeom>
+        </p:spPr>
+        <p:style>
+          <a:lnRef idx="2">
+            <a:schemeClr val="dk1"/>
+          </a:lnRef>
+          <a:fillRef idx="0">
+            <a:schemeClr val="dk1"/>
+          </a:fillRef>
+          <a:effectRef idx="1">
+            <a:schemeClr val="dk1"/>
+          </a:effectRef>
+          <a:fontRef idx="minor">
+            <a:schemeClr val="tx1"/>
+          </a:fontRef>
+        </p:style>
+      </p:cxnSp>
+      <p:cxnSp>
+        <p:nvCxnSpPr>
+          <p:cNvPr id="40" name="Gerade Verbindung 39"/>
+          <p:cNvCxnSpPr/>
+          <p:nvPr/>
+        </p:nvCxnSpPr>
+        <p:spPr>
+          <a:xfrm>
+            <a:off x="4433371" y="2243185"/>
+            <a:ext cx="583967" cy="0"/>
+          </a:xfrm>
+          <a:prstGeom prst="line">
+            <a:avLst/>
+          </a:prstGeom>
+        </p:spPr>
+        <p:style>
+          <a:lnRef idx="2">
+            <a:schemeClr val="dk1"/>
+          </a:lnRef>
+          <a:fillRef idx="0">
+            <a:schemeClr val="dk1"/>
+          </a:fillRef>
+          <a:effectRef idx="1">
+            <a:schemeClr val="dk1"/>
+          </a:effectRef>
+          <a:fontRef idx="minor">
+            <a:schemeClr val="tx1"/>
+          </a:fontRef>
+        </p:style>
+      </p:cxnSp>
+      <p:cxnSp>
+        <p:nvCxnSpPr>
+          <p:cNvPr id="41" name="Gerade Verbindung 40"/>
+          <p:cNvCxnSpPr/>
+          <p:nvPr/>
+        </p:nvCxnSpPr>
+        <p:spPr>
+          <a:xfrm>
+            <a:off x="4433371" y="2366077"/>
+            <a:ext cx="583967" cy="0"/>
+          </a:xfrm>
+          <a:prstGeom prst="line">
+            <a:avLst/>
+          </a:prstGeom>
+        </p:spPr>
+        <p:style>
+          <a:lnRef idx="2">
+            <a:schemeClr val="dk1"/>
+          </a:lnRef>
+          <a:fillRef idx="0">
+            <a:schemeClr val="dk1"/>
+          </a:fillRef>
+          <a:effectRef idx="1">
+            <a:schemeClr val="dk1"/>
+          </a:effectRef>
+          <a:fontRef idx="minor">
+            <a:schemeClr val="tx1"/>
+          </a:fontRef>
+        </p:style>
+      </p:cxnSp>
+      <p:pic>
+        <p:nvPicPr>
+          <p:cNvPr id="42" name="Bild 41"/>
+          <p:cNvPicPr>
+            <a:picLocks noChangeAspect="1"/>
+          </p:cNvPicPr>
+          <p:nvPr/>
+        </p:nvPicPr>
+        <p:blipFill>
+          <a:blip r:embed="rId5"/>
+          <a:stretch>
+            <a:fillRect/>
+          </a:stretch>
+        </p:blipFill>
+        <p:spPr>
+          <a:xfrm>
+            <a:off x="3890741" y="2641638"/>
+            <a:ext cx="635378" cy="267653"/>
+          </a:xfrm>
+          <a:prstGeom prst="rect">
+            <a:avLst/>
+          </a:prstGeom>
+        </p:spPr>
+      </p:pic>
+      <p:sp>
+        <p:nvSpPr>
+          <p:cNvPr id="43" name="Abgerundete rechteckige Legende 42"/>
+          <p:cNvSpPr/>
+          <p:nvPr/>
+        </p:nvSpPr>
+        <p:spPr>
+          <a:xfrm>
+            <a:off x="1594238" y="1134632"/>
+            <a:ext cx="1365845" cy="444575"/>
+          </a:xfrm>
+          <a:prstGeom prst="wedgeRoundRectCallout">
+            <a:avLst>
+              <a:gd name="adj1" fmla="val -55271"/>
+              <a:gd name="adj2" fmla="val 114584"/>
+              <a:gd name="adj3" fmla="val 16667"/>
+            </a:avLst>
+          </a:prstGeom>
+        </p:spPr>
+        <p:style>
+          <a:lnRef idx="2">
+            <a:schemeClr val="accent3">
+              <a:shade val="50000"/>
+            </a:schemeClr>
+          </a:lnRef>
+          <a:fillRef idx="1">
+            <a:schemeClr val="accent3"/>
+          </a:fillRef>
+          <a:effectRef idx="0">
+            <a:schemeClr val="accent3"/>
+          </a:effectRef>
+          <a:fontRef idx="minor">
+            <a:schemeClr val="lt1"/>
+          </a:fontRef>
+        </p:style>
+        <p:txBody>
+          <a:bodyPr rtlCol="0" anchor="ctr"/>
+          <a:lstStyle/>
+          <a:p>
+            <a:pPr algn="ctr"/>
+            <a:r>
+              <a:rPr lang="de-DE" sz="1400" b="1" dirty="0" err="1">
+                <a:solidFill>
+                  <a:srgbClr val="000000"/>
+                </a:solidFill>
+              </a:rPr>
+              <a:t>t</a:t>
+            </a:r>
+            <a:r>
+              <a:rPr lang="de-DE" sz="1400" b="1" dirty="0" err="1" smtClean="0">
+                <a:solidFill>
+                  <a:srgbClr val="000000"/>
+                </a:solidFill>
+              </a:rPr>
+              <a:t>ake</a:t>
+            </a:r>
+            <a:r>
+              <a:rPr lang="de-DE" sz="1400" b="1" dirty="0" smtClean="0">
+                <a:solidFill>
+                  <a:srgbClr val="000000"/>
+                </a:solidFill>
+              </a:rPr>
+              <a:t> </a:t>
+            </a:r>
+            <a:r>
+              <a:rPr lang="de-DE" sz="1400" b="1" dirty="0" err="1">
+                <a:solidFill>
+                  <a:srgbClr val="000000"/>
+                </a:solidFill>
+              </a:rPr>
+              <a:t>m</a:t>
+            </a:r>
+            <a:r>
+              <a:rPr lang="de-DE" sz="1400" b="1" dirty="0" err="1" smtClean="0">
+                <a:solidFill>
+                  <a:srgbClr val="000000"/>
+                </a:solidFill>
+              </a:rPr>
+              <a:t>edicine</a:t>
+            </a:r>
+            <a:r>
+              <a:rPr lang="de-DE" sz="1400" b="1" dirty="0" smtClean="0">
+                <a:solidFill>
+                  <a:srgbClr val="000000"/>
+                </a:solidFill>
+              </a:rPr>
+              <a:t>!</a:t>
+            </a:r>
+            <a:endParaRPr lang="de-DE" sz="1400" b="1" dirty="0">
+              <a:solidFill>
+                <a:srgbClr val="000000"/>
+              </a:solidFill>
+            </a:endParaRPr>
+          </a:p>
+        </p:txBody>
+      </p:sp>
+    </p:spTree>
+    <p:extLst>
+      <p:ext uri="{BB962C8B-B14F-4D97-AF65-F5344CB8AC3E}">
+        <p14:creationId xmlns:p14="http://schemas.microsoft.com/office/powerpoint/2010/main" val="1189868907"/>
+      </p:ext>
+    </p:extLst>
+  </p:cSld>
+  <p:clrMapOvr>
+    <a:masterClrMapping/>
+  </p:clrMapOvr>
+  <p:timing>
+    <p:tnLst>
+      <p:par>
+        <p:cTn xmlns:p14="http://schemas.microsoft.com/office/powerpoint/2010/main" id="1" dur="indefinite" restart="never" nodeType="tmRoot">
+          <p:childTnLst>
+            <p:seq concurrent="1" nextAc="seek">
+              <p:cTn id="2" dur="indefinite" nodeType="mainSeq">
+                <p:childTnLst>
+                  <p:par>
+                    <p:cTn id="3" fill="hold">
+                      <p:stCondLst>
+                        <p:cond delay="indefinite"/>
+                      </p:stCondLst>
+                      <p:childTnLst>
+                        <p:par>
+                          <p:cTn id="4" fill="hold">
+                            <p:stCondLst>
+                              <p:cond delay="0"/>
+                            </p:stCondLst>
+                            <p:childTnLst>
+                              <p:par>
+                                <p:cTn id="5" presetID="1" presetClass="entr" presetSubtype="0" fill="hold" grpId="0" nodeType="clickEffect">
+                                  <p:stCondLst>
+                                    <p:cond delay="0"/>
+                                  </p:stCondLst>
+                                  <p:childTnLst>
+                                    <p:set>
+                                      <p:cBhvr>
+                                        <p:cTn id="6" dur="1" fill="hold">
+                                          <p:stCondLst>
+                                            <p:cond delay="0"/>
+                                          </p:stCondLst>
+                                        </p:cTn>
+                                        <p:tgtEl>
+                                          <p:spTgt spid="30"/>
+                                        </p:tgtEl>
+                                        <p:attrNameLst>
+                                          <p:attrName>style.visibility</p:attrName>
+                                        </p:attrNameLst>
+                                      </p:cBhvr>
+                                      <p:to>
+                                        <p:strVal val="visible"/>
+                                      </p:to>
+                                    </p:set>
+                                  </p:childTnLst>
+                                </p:cTn>
+                              </p:par>
+                              <p:par>
+                                <p:cTn id="7" presetID="1" presetClass="entr" presetSubtype="0" fill="hold" nodeType="withEffect">
+                                  <p:stCondLst>
+                                    <p:cond delay="0"/>
+                                  </p:stCondLst>
+                                  <p:childTnLst>
+                                    <p:set>
+                                      <p:cBhvr>
+                                        <p:cTn id="8" dur="1" fill="hold">
+                                          <p:stCondLst>
+                                            <p:cond delay="0"/>
+                                          </p:stCondLst>
+                                        </p:cTn>
+                                        <p:tgtEl>
+                                          <p:spTgt spid="11"/>
+                                        </p:tgtEl>
+                                        <p:attrNameLst>
+                                          <p:attrName>style.visibility</p:attrName>
+                                        </p:attrNameLst>
+                                      </p:cBhvr>
+                                      <p:to>
+                                        <p:strVal val="visible"/>
+                                      </p:to>
+                                    </p:set>
+                                  </p:childTnLst>
+                                </p:cTn>
+                              </p:par>
+                            </p:childTnLst>
+                          </p:cTn>
+                        </p:par>
+                      </p:childTnLst>
+                    </p:cTn>
+                  </p:par>
+                  <p:par>
+                    <p:cTn id="9" fill="hold">
+                      <p:stCondLst>
+                        <p:cond delay="indefinite"/>
+                      </p:stCondLst>
+                      <p:childTnLst>
+                        <p:par>
+                          <p:cTn id="10" fill="hold">
+                            <p:stCondLst>
+                              <p:cond delay="0"/>
+                            </p:stCondLst>
+                            <p:childTnLst>
+                              <p:par>
+                                <p:cTn id="11" presetID="1" presetClass="entr" presetSubtype="0" fill="hold" grpId="0" nodeType="clickEffect">
+                                  <p:stCondLst>
+                                    <p:cond delay="0"/>
+                                  </p:stCondLst>
+                                  <p:childTnLst>
+                                    <p:set>
+                                      <p:cBhvr>
+                                        <p:cTn id="12" dur="1" fill="hold">
+                                          <p:stCondLst>
+                                            <p:cond delay="0"/>
+                                          </p:stCondLst>
+                                        </p:cTn>
+                                        <p:tgtEl>
+                                          <p:spTgt spid="18"/>
+                                        </p:tgtEl>
+                                        <p:attrNameLst>
+                                          <p:attrName>style.visibility</p:attrName>
+                                        </p:attrNameLst>
+                                      </p:cBhvr>
+                                      <p:to>
+                                        <p:strVal val="visible"/>
+                                      </p:to>
+                                    </p:set>
+                                  </p:childTnLst>
+                                </p:cTn>
+                              </p:par>
+                              <p:par>
+                                <p:cTn id="13" presetID="1" presetClass="entr" presetSubtype="0" fill="hold" grpId="0" nodeType="withEffect">
+                                  <p:stCondLst>
+                                    <p:cond delay="0"/>
+                                  </p:stCondLst>
+                                  <p:childTnLst>
+                                    <p:set>
+                                      <p:cBhvr>
+                                        <p:cTn id="14" dur="1" fill="hold">
+                                          <p:stCondLst>
+                                            <p:cond delay="0"/>
+                                          </p:stCondLst>
+                                        </p:cTn>
+                                        <p:tgtEl>
+                                          <p:spTgt spid="16"/>
+                                        </p:tgtEl>
+                                        <p:attrNameLst>
+                                          <p:attrName>style.visibility</p:attrName>
+                                        </p:attrNameLst>
+                                      </p:cBhvr>
+                                      <p:to>
+                                        <p:strVal val="visible"/>
+                                      </p:to>
+                                    </p:set>
+                                  </p:childTnLst>
+                                </p:cTn>
+                              </p:par>
+                              <p:par>
+                                <p:cTn id="15" presetID="1" presetClass="entr" presetSubtype="0" fill="hold" nodeType="withEffect">
+                                  <p:stCondLst>
+                                    <p:cond delay="0"/>
+                                  </p:stCondLst>
+                                  <p:childTnLst>
+                                    <p:set>
+                                      <p:cBhvr>
+                                        <p:cTn id="16" dur="1" fill="hold">
+                                          <p:stCondLst>
+                                            <p:cond delay="0"/>
+                                          </p:stCondLst>
+                                        </p:cTn>
+                                        <p:tgtEl>
+                                          <p:spTgt spid="35"/>
+                                        </p:tgtEl>
+                                        <p:attrNameLst>
+                                          <p:attrName>style.visibility</p:attrName>
+                                        </p:attrNameLst>
+                                      </p:cBhvr>
+                                      <p:to>
+                                        <p:strVal val="visible"/>
+                                      </p:to>
+                                    </p:set>
+                                  </p:childTnLst>
+                                </p:cTn>
+                              </p:par>
+                              <p:par>
+                                <p:cTn id="17" presetID="1" presetClass="entr" presetSubtype="0" fill="hold" nodeType="withEffect">
+                                  <p:stCondLst>
+                                    <p:cond delay="0"/>
+                                  </p:stCondLst>
+                                  <p:childTnLst>
+                                    <p:set>
+                                      <p:cBhvr>
+                                        <p:cTn id="18" dur="1" fill="hold">
+                                          <p:stCondLst>
+                                            <p:cond delay="0"/>
+                                          </p:stCondLst>
+                                        </p:cTn>
+                                        <p:tgtEl>
+                                          <p:spTgt spid="37"/>
+                                        </p:tgtEl>
+                                        <p:attrNameLst>
+                                          <p:attrName>style.visibility</p:attrName>
+                                        </p:attrNameLst>
+                                      </p:cBhvr>
+                                      <p:to>
+                                        <p:strVal val="visible"/>
+                                      </p:to>
+                                    </p:set>
+                                  </p:childTnLst>
+                                </p:cTn>
+                              </p:par>
+                              <p:par>
+                                <p:cTn id="19" presetID="1" presetClass="entr" presetSubtype="0" fill="hold" nodeType="withEffect">
+                                  <p:stCondLst>
+                                    <p:cond delay="0"/>
+                                  </p:stCondLst>
+                                  <p:childTnLst>
+                                    <p:set>
+                                      <p:cBhvr>
+                                        <p:cTn id="20" dur="1" fill="hold">
+                                          <p:stCondLst>
+                                            <p:cond delay="0"/>
+                                          </p:stCondLst>
+                                        </p:cTn>
+                                        <p:tgtEl>
+                                          <p:spTgt spid="38"/>
+                                        </p:tgtEl>
+                                        <p:attrNameLst>
+                                          <p:attrName>style.visibility</p:attrName>
+                                        </p:attrNameLst>
+                                      </p:cBhvr>
+                                      <p:to>
+                                        <p:strVal val="visible"/>
+                                      </p:to>
+                                    </p:set>
+                                  </p:childTnLst>
+                                </p:cTn>
+                              </p:par>
+                            </p:childTnLst>
+                          </p:cTn>
+                        </p:par>
+                      </p:childTnLst>
+                    </p:cTn>
+                  </p:par>
+                  <p:par>
+                    <p:cTn id="21" fill="hold">
+                      <p:stCondLst>
+                        <p:cond delay="indefinite"/>
+                      </p:stCondLst>
+                      <p:childTnLst>
+                        <p:par>
+                          <p:cTn id="22" fill="hold">
+                            <p:stCondLst>
+                              <p:cond delay="0"/>
+                            </p:stCondLst>
+                            <p:childTnLst>
+                              <p:par>
+                                <p:cTn id="23" presetID="1" presetClass="entr" presetSubtype="0" fill="hold" nodeType="clickEffect">
+                                  <p:stCondLst>
+                                    <p:cond delay="0"/>
+                                  </p:stCondLst>
+                                  <p:childTnLst>
+                                    <p:set>
+                                      <p:cBhvr>
+                                        <p:cTn id="24" dur="1" fill="hold">
+                                          <p:stCondLst>
+                                            <p:cond delay="0"/>
+                                          </p:stCondLst>
+                                        </p:cTn>
+                                        <p:tgtEl>
+                                          <p:spTgt spid="23"/>
+                                        </p:tgtEl>
+                                        <p:attrNameLst>
+                                          <p:attrName>style.visibility</p:attrName>
+                                        </p:attrNameLst>
+                                      </p:cBhvr>
+                                      <p:to>
+                                        <p:strVal val="visible"/>
+                                      </p:to>
+                                    </p:set>
+                                  </p:childTnLst>
+                                </p:cTn>
+                              </p:par>
+                              <p:par>
+                                <p:cTn id="25" presetID="1" presetClass="entr" presetSubtype="0" fill="hold" grpId="0" nodeType="withEffect">
+                                  <p:stCondLst>
+                                    <p:cond delay="0"/>
+                                  </p:stCondLst>
+                                  <p:childTnLst>
+                                    <p:set>
+                                      <p:cBhvr>
+                                        <p:cTn id="26" dur="1" fill="hold">
+                                          <p:stCondLst>
+                                            <p:cond delay="0"/>
+                                          </p:stCondLst>
+                                        </p:cTn>
+                                        <p:tgtEl>
+                                          <p:spTgt spid="31"/>
+                                        </p:tgtEl>
+                                        <p:attrNameLst>
+                                          <p:attrName>style.visibility</p:attrName>
+                                        </p:attrNameLst>
+                                      </p:cBhvr>
+                                      <p:to>
+                                        <p:strVal val="visible"/>
+                                      </p:to>
+                                    </p:set>
+                                  </p:childTnLst>
+                                </p:cTn>
+                              </p:par>
+                            </p:childTnLst>
+                          </p:cTn>
+                        </p:par>
+                      </p:childTnLst>
+                    </p:cTn>
+                  </p:par>
+                  <p:par>
+                    <p:cTn id="27" fill="hold">
+                      <p:stCondLst>
+                        <p:cond delay="indefinite"/>
+                      </p:stCondLst>
+                      <p:childTnLst>
+                        <p:par>
+                          <p:cTn id="28" fill="hold">
+                            <p:stCondLst>
+                              <p:cond delay="0"/>
+                            </p:stCondLst>
+                            <p:childTnLst>
+                              <p:par>
+                                <p:cTn id="29" presetID="1" presetClass="entr" presetSubtype="0" fill="hold" grpId="0" nodeType="clickEffect">
+                                  <p:stCondLst>
+                                    <p:cond delay="0"/>
+                                  </p:stCondLst>
+                                  <p:childTnLst>
+                                    <p:set>
+                                      <p:cBhvr>
+                                        <p:cTn id="30" dur="1" fill="hold">
+                                          <p:stCondLst>
+                                            <p:cond delay="0"/>
+                                          </p:stCondLst>
+                                        </p:cTn>
+                                        <p:tgtEl>
+                                          <p:spTgt spid="19"/>
+                                        </p:tgtEl>
+                                        <p:attrNameLst>
+                                          <p:attrName>style.visibility</p:attrName>
+                                        </p:attrNameLst>
+                                      </p:cBhvr>
+                                      <p:to>
+                                        <p:strVal val="visible"/>
+                                      </p:to>
+                                    </p:set>
+                                  </p:childTnLst>
+                                </p:cTn>
+                              </p:par>
+                              <p:par>
+                                <p:cTn id="31" presetID="1" presetClass="entr" presetSubtype="0" fill="hold" grpId="0" nodeType="withEffect">
+                                  <p:stCondLst>
+                                    <p:cond delay="0"/>
+                                  </p:stCondLst>
+                                  <p:childTnLst>
+                                    <p:set>
+                                      <p:cBhvr>
+                                        <p:cTn id="32" dur="1" fill="hold">
+                                          <p:stCondLst>
+                                            <p:cond delay="0"/>
+                                          </p:stCondLst>
+                                        </p:cTn>
+                                        <p:tgtEl>
+                                          <p:spTgt spid="17"/>
+                                        </p:tgtEl>
+                                        <p:attrNameLst>
+                                          <p:attrName>style.visibility</p:attrName>
+                                        </p:attrNameLst>
+                                      </p:cBhvr>
+                                      <p:to>
+                                        <p:strVal val="visible"/>
+                                      </p:to>
+                                    </p:set>
+                                  </p:childTnLst>
+                                </p:cTn>
+                              </p:par>
+                              <p:par>
+                                <p:cTn id="33" presetID="1" presetClass="entr" presetSubtype="0" fill="hold" nodeType="withEffect">
+                                  <p:stCondLst>
+                                    <p:cond delay="0"/>
+                                  </p:stCondLst>
+                                  <p:childTnLst>
+                                    <p:set>
+                                      <p:cBhvr>
+                                        <p:cTn id="34" dur="1" fill="hold">
+                                          <p:stCondLst>
+                                            <p:cond delay="0"/>
+                                          </p:stCondLst>
+                                        </p:cTn>
+                                        <p:tgtEl>
+                                          <p:spTgt spid="39"/>
+                                        </p:tgtEl>
+                                        <p:attrNameLst>
+                                          <p:attrName>style.visibility</p:attrName>
+                                        </p:attrNameLst>
+                                      </p:cBhvr>
+                                      <p:to>
+                                        <p:strVal val="visible"/>
+                                      </p:to>
+                                    </p:set>
+                                  </p:childTnLst>
+                                </p:cTn>
+                              </p:par>
+                              <p:par>
+                                <p:cTn id="35" presetID="1" presetClass="entr" presetSubtype="0" fill="hold" nodeType="withEffect">
+                                  <p:stCondLst>
+                                    <p:cond delay="0"/>
+                                  </p:stCondLst>
+                                  <p:childTnLst>
+                                    <p:set>
+                                      <p:cBhvr>
+                                        <p:cTn id="36" dur="1" fill="hold">
+                                          <p:stCondLst>
+                                            <p:cond delay="0"/>
+                                          </p:stCondLst>
+                                        </p:cTn>
+                                        <p:tgtEl>
+                                          <p:spTgt spid="40"/>
+                                        </p:tgtEl>
+                                        <p:attrNameLst>
+                                          <p:attrName>style.visibility</p:attrName>
+                                        </p:attrNameLst>
+                                      </p:cBhvr>
+                                      <p:to>
+                                        <p:strVal val="visible"/>
+                                      </p:to>
+                                    </p:set>
+                                  </p:childTnLst>
+                                </p:cTn>
+                              </p:par>
+                              <p:par>
+                                <p:cTn id="37" presetID="1" presetClass="entr" presetSubtype="0" fill="hold" nodeType="withEffect">
+                                  <p:stCondLst>
+                                    <p:cond delay="0"/>
+                                  </p:stCondLst>
+                                  <p:childTnLst>
+                                    <p:set>
+                                      <p:cBhvr>
+                                        <p:cTn id="38" dur="1" fill="hold">
+                                          <p:stCondLst>
+                                            <p:cond delay="0"/>
+                                          </p:stCondLst>
+                                        </p:cTn>
+                                        <p:tgtEl>
+                                          <p:spTgt spid="41"/>
+                                        </p:tgtEl>
+                                        <p:attrNameLst>
+                                          <p:attrName>style.visibility</p:attrName>
+                                        </p:attrNameLst>
+                                      </p:cBhvr>
+                                      <p:to>
+                                        <p:strVal val="visible"/>
+                                      </p:to>
+                                    </p:set>
+                                  </p:childTnLst>
+                                </p:cTn>
+                              </p:par>
+                            </p:childTnLst>
+                          </p:cTn>
+                        </p:par>
+                      </p:childTnLst>
+                    </p:cTn>
+                  </p:par>
+                  <p:par>
+                    <p:cTn id="39" fill="hold">
+                      <p:stCondLst>
+                        <p:cond delay="indefinite"/>
+                      </p:stCondLst>
+                      <p:childTnLst>
+                        <p:par>
+                          <p:cTn id="40" fill="hold">
+                            <p:stCondLst>
+                              <p:cond delay="0"/>
+                            </p:stCondLst>
+                            <p:childTnLst>
+                              <p:par>
+                                <p:cTn id="41" presetID="1" presetClass="entr" presetSubtype="0" fill="hold" nodeType="clickEffect">
+                                  <p:stCondLst>
+                                    <p:cond delay="0"/>
+                                  </p:stCondLst>
+                                  <p:childTnLst>
+                                    <p:set>
+                                      <p:cBhvr>
+                                        <p:cTn id="42" dur="1" fill="hold">
+                                          <p:stCondLst>
+                                            <p:cond delay="0"/>
+                                          </p:stCondLst>
+                                        </p:cTn>
+                                        <p:tgtEl>
+                                          <p:spTgt spid="42"/>
+                                        </p:tgtEl>
+                                        <p:attrNameLst>
+                                          <p:attrName>style.visibility</p:attrName>
+                                        </p:attrNameLst>
+                                      </p:cBhvr>
+                                      <p:to>
+                                        <p:strVal val="visible"/>
+                                      </p:to>
+                                    </p:set>
+                                  </p:childTnLst>
+                                </p:cTn>
+                              </p:par>
+                            </p:childTnLst>
+                          </p:cTn>
+                        </p:par>
+                      </p:childTnLst>
+                    </p:cTn>
+                  </p:par>
+                  <p:par>
+                    <p:cTn id="43" fill="hold">
+                      <p:stCondLst>
+                        <p:cond delay="indefinite"/>
+                      </p:stCondLst>
+                      <p:childTnLst>
+                        <p:par>
+                          <p:cTn id="44" fill="hold">
+                            <p:stCondLst>
+                              <p:cond delay="0"/>
+                            </p:stCondLst>
+                            <p:childTnLst>
+                              <p:par>
+                                <p:cTn id="45" presetID="1" presetClass="entr" presetSubtype="0" fill="hold" nodeType="clickEffect">
+                                  <p:stCondLst>
+                                    <p:cond delay="0"/>
+                                  </p:stCondLst>
+                                  <p:childTnLst>
+                                    <p:set>
+                                      <p:cBhvr>
+                                        <p:cTn id="46" dur="1" fill="hold">
+                                          <p:stCondLst>
+                                            <p:cond delay="0"/>
+                                          </p:stCondLst>
+                                        </p:cTn>
+                                        <p:tgtEl>
+                                          <p:spTgt spid="27"/>
+                                        </p:tgtEl>
+                                        <p:attrNameLst>
+                                          <p:attrName>style.visibility</p:attrName>
+                                        </p:attrNameLst>
+                                      </p:cBhvr>
+                                      <p:to>
+                                        <p:strVal val="visible"/>
+                                      </p:to>
+                                    </p:set>
+                                  </p:childTnLst>
+                                </p:cTn>
+                              </p:par>
+                              <p:par>
+                                <p:cTn id="47" presetID="1" presetClass="entr" presetSubtype="0" fill="hold" grpId="0" nodeType="withEffect">
+                                  <p:stCondLst>
+                                    <p:cond delay="0"/>
+                                  </p:stCondLst>
+                                  <p:childTnLst>
+                                    <p:set>
+                                      <p:cBhvr>
+                                        <p:cTn id="48" dur="1" fill="hold">
+                                          <p:stCondLst>
+                                            <p:cond delay="0"/>
+                                          </p:stCondLst>
+                                        </p:cTn>
+                                        <p:tgtEl>
+                                          <p:spTgt spid="32"/>
+                                        </p:tgtEl>
+                                        <p:attrNameLst>
+                                          <p:attrName>style.visibility</p:attrName>
+                                        </p:attrNameLst>
+                                      </p:cBhvr>
+                                      <p:to>
+                                        <p:strVal val="visible"/>
+                                      </p:to>
+                                    </p:set>
+                                  </p:childTnLst>
+                                </p:cTn>
+                              </p:par>
+                            </p:childTnLst>
+                          </p:cTn>
+                        </p:par>
+                      </p:childTnLst>
+                    </p:cTn>
+                  </p:par>
+                  <p:par>
+                    <p:cTn id="49" fill="hold">
+                      <p:stCondLst>
+                        <p:cond delay="indefinite"/>
+                      </p:stCondLst>
+                      <p:childTnLst>
+                        <p:par>
+                          <p:cTn id="50" fill="hold">
+                            <p:stCondLst>
+                              <p:cond delay="0"/>
+                            </p:stCondLst>
+                            <p:childTnLst>
+                              <p:par>
+                                <p:cTn id="51" presetID="1" presetClass="entr" presetSubtype="0" fill="hold" grpId="0" nodeType="clickEffect">
+                                  <p:stCondLst>
+                                    <p:cond delay="0"/>
+                                  </p:stCondLst>
+                                  <p:childTnLst>
+                                    <p:set>
+                                      <p:cBhvr>
+                                        <p:cTn id="52" dur="1" fill="hold">
+                                          <p:stCondLst>
+                                            <p:cond delay="0"/>
+                                          </p:stCondLst>
+                                        </p:cTn>
+                                        <p:tgtEl>
+                                          <p:spTgt spid="43"/>
+                                        </p:tgtEl>
+                                        <p:attrNameLst>
+                                          <p:attrName>style.visibility</p:attrName>
+                                        </p:attrNameLst>
+                                      </p:cBhvr>
+                                      <p:to>
+                                        <p:strVal val="visible"/>
+                                      </p:to>
+                                    </p:set>
+                                  </p:childTnLst>
+                                </p:cTn>
+                              </p:par>
+                            </p:childTnLst>
+                          </p:cTn>
+                        </p:par>
+                      </p:childTnLst>
+                    </p:cTn>
+                  </p:par>
+                </p:childTnLst>
+              </p:cTn>
+              <p:prevCondLst>
+                <p:cond evt="onPrev" delay="0">
+                  <p:tgtEl>
+                    <p:sldTgt/>
+                  </p:tgtEl>
+                </p:cond>
+              </p:prevCondLst>
+              <p:nextCondLst>
+                <p:cond evt="onNext" delay="0">
+                  <p:tgtEl>
+                    <p:sldTgt/>
+                  </p:tgtEl>
+                </p:cond>
+              </p:nextCondLst>
+            </p:seq>
+          </p:childTnLst>
+        </p:cTn>
+      </p:par>
+    </p:tnLst>
+    <p:bldLst>
+      <p:bldP spid="16" grpId="0" animBg="1"/>
+      <p:bldP spid="17" grpId="0" animBg="1"/>
+      <p:bldP spid="18" grpId="0"/>
+      <p:bldP spid="19" grpId="0"/>
+      <p:bldP spid="30" grpId="0"/>
+      <p:bldP spid="31" grpId="0"/>
+      <p:bldP spid="32" grpId="0"/>
+      <p:bldP spid="43" grpId="0" animBg="1"/>
+    </p:bldLst>
+  </p:timing>
+</p:sld>
+</file>
+
 <file path=ppt/theme/theme1.xml><?xml version="1.0" encoding="utf-8"?>
 <a:theme xmlns:a="http://schemas.openxmlformats.org/drawingml/2006/main" name="Black">
   <a:themeElements>
